--- a/Presentaton slide/presentation week 7.pptx
+++ b/Presentaton slide/presentation week 7.pptx
@@ -1926,7 +1926,7 @@
           <a:p>
             <a:fld id="{9A5F94EA-2903-46AE-A832-FBC1B0A3423B}" type="datetimeFigureOut">
               <a:rPr lang="en-AU" smtClean="0"/>
-              <a:t>26/09/2013</a:t>
+              <a:t>29/09/2013</a:t>
             </a:fld>
             <a:endParaRPr lang="en-AU"/>
           </a:p>
@@ -2107,7 +2107,7 @@
           <a:p>
             <a:fld id="{9A5F94EA-2903-46AE-A832-FBC1B0A3423B}" type="datetimeFigureOut">
               <a:rPr lang="en-AU" smtClean="0"/>
-              <a:t>26/09/2013</a:t>
+              <a:t>29/09/2013</a:t>
             </a:fld>
             <a:endParaRPr lang="en-AU"/>
           </a:p>
@@ -2258,7 +2258,7 @@
           <a:p>
             <a:fld id="{9A5F94EA-2903-46AE-A832-FBC1B0A3423B}" type="datetimeFigureOut">
               <a:rPr lang="en-AU" smtClean="0"/>
-              <a:t>26/09/2013</a:t>
+              <a:t>29/09/2013</a:t>
             </a:fld>
             <a:endParaRPr lang="en-AU"/>
           </a:p>
@@ -4084,7 +4084,7 @@
           <a:p>
             <a:fld id="{9A5F94EA-2903-46AE-A832-FBC1B0A3423B}" type="datetimeFigureOut">
               <a:rPr lang="en-AU" smtClean="0"/>
-              <a:t>26/09/2013</a:t>
+              <a:t>29/09/2013</a:t>
             </a:fld>
             <a:endParaRPr lang="en-AU"/>
           </a:p>
@@ -5954,7 +5954,7 @@
           <a:p>
             <a:fld id="{9A5F94EA-2903-46AE-A832-FBC1B0A3423B}" type="datetimeFigureOut">
               <a:rPr lang="en-AU" smtClean="0"/>
-              <a:t>26/09/2013</a:t>
+              <a:t>29/09/2013</a:t>
             </a:fld>
             <a:endParaRPr lang="en-AU"/>
           </a:p>
@@ -6067,7 +6067,7 @@
           <a:p>
             <a:fld id="{9A5F94EA-2903-46AE-A832-FBC1B0A3423B}" type="datetimeFigureOut">
               <a:rPr lang="en-AU" smtClean="0"/>
-              <a:t>26/09/2013</a:t>
+              <a:t>29/09/2013</a:t>
             </a:fld>
             <a:endParaRPr lang="en-AU"/>
           </a:p>
@@ -6608,7 +6608,7 @@
           <a:p>
             <a:fld id="{9A5F94EA-2903-46AE-A832-FBC1B0A3423B}" type="datetimeFigureOut">
               <a:rPr lang="en-AU" smtClean="0"/>
-              <a:t>26/09/2013</a:t>
+              <a:t>29/09/2013</a:t>
             </a:fld>
             <a:endParaRPr lang="en-AU"/>
           </a:p>
@@ -6721,7 +6721,7 @@
           <a:p>
             <a:fld id="{9A5F94EA-2903-46AE-A832-FBC1B0A3423B}" type="datetimeFigureOut">
               <a:rPr lang="en-AU" smtClean="0"/>
-              <a:t>26/09/2013</a:t>
+              <a:t>29/09/2013</a:t>
             </a:fld>
             <a:endParaRPr lang="en-AU"/>
           </a:p>
@@ -8432,7 +8432,7 @@
           <a:p>
             <a:fld id="{9A5F94EA-2903-46AE-A832-FBC1B0A3423B}" type="datetimeFigureOut">
               <a:rPr lang="en-AU" smtClean="0"/>
-              <a:t>26/09/2013</a:t>
+              <a:t>29/09/2013</a:t>
             </a:fld>
             <a:endParaRPr lang="en-AU"/>
           </a:p>
@@ -8583,7 +8583,7 @@
           <a:p>
             <a:fld id="{9A5F94EA-2903-46AE-A832-FBC1B0A3423B}" type="datetimeFigureOut">
               <a:rPr lang="en-AU" smtClean="0"/>
-              <a:t>26/09/2013</a:t>
+              <a:t>29/09/2013</a:t>
             </a:fld>
             <a:endParaRPr lang="en-AU"/>
           </a:p>
@@ -12198,7 +12198,7 @@
           <a:p>
             <a:fld id="{9A5F94EA-2903-46AE-A832-FBC1B0A3423B}" type="datetimeFigureOut">
               <a:rPr lang="en-AU" smtClean="0"/>
-              <a:t>26/09/2013</a:t>
+              <a:t>29/09/2013</a:t>
             </a:fld>
             <a:endParaRPr lang="en-AU"/>
           </a:p>
@@ -14057,7 +14057,7 @@
           <a:p>
             <a:fld id="{9A5F94EA-2903-46AE-A832-FBC1B0A3423B}" type="datetimeFigureOut">
               <a:rPr lang="en-AU" smtClean="0"/>
-              <a:t>26/09/2013</a:t>
+              <a:t>29/09/2013</a:t>
             </a:fld>
             <a:endParaRPr lang="en-AU"/>
           </a:p>
@@ -15056,6 +15056,111 @@
           </a:p>
         </p:txBody>
       </p:sp>
+      <p:sp>
+        <p:nvSpPr>
+          <p:cNvPr id="2" name="TextBox 1"/>
+          <p:cNvSpPr txBox="1"/>
+          <p:nvPr/>
+        </p:nvSpPr>
+        <p:spPr>
+          <a:xfrm>
+            <a:off x="611560" y="1844824"/>
+            <a:ext cx="7848872" cy="4154984"/>
+          </a:xfrm>
+          <a:prstGeom prst="rect">
+            <a:avLst/>
+          </a:prstGeom>
+          <a:noFill/>
+        </p:spPr>
+        <p:txBody>
+          <a:bodyPr wrap="square" rtlCol="0">
+            <a:spAutoFit/>
+          </a:bodyPr>
+          <a:lstStyle/>
+          <a:p>
+            <a:pPr marL="285750" indent="-285750">
+              <a:buFont typeface="Arial" panose="020B0604020202020204" pitchFamily="34" charset="0"/>
+              <a:buChar char="•"/>
+            </a:pPr>
+            <a:r>
+              <a:rPr lang="en-AU" sz="2400" dirty="0" smtClean="0"/>
+              <a:t>Our client, </a:t>
+            </a:r>
+            <a:r>
+              <a:rPr lang="en-AU" sz="2400" dirty="0" err="1" smtClean="0"/>
+              <a:t>Dr.</a:t>
+            </a:r>
+            <a:r>
+              <a:rPr lang="en-AU" sz="2400" dirty="0" smtClean="0"/>
+              <a:t> </a:t>
+            </a:r>
+            <a:r>
+              <a:rPr lang="en-AU" sz="2400" dirty="0"/>
+              <a:t>P</a:t>
+            </a:r>
+            <a:r>
+              <a:rPr lang="en-AU" sz="2400" dirty="0" smtClean="0"/>
+              <a:t>hillip Michael, is a surgeon for the Royal Victorian Eye &amp; Ear Hospital</a:t>
+            </a:r>
+          </a:p>
+          <a:p>
+            <a:pPr marL="285750" indent="-285750">
+              <a:buFont typeface="Arial" panose="020B0604020202020204" pitchFamily="34" charset="0"/>
+              <a:buChar char="•"/>
+            </a:pPr>
+            <a:endParaRPr lang="en-AU" sz="2400" dirty="0" smtClean="0"/>
+          </a:p>
+          <a:p>
+            <a:pPr marL="285750" indent="-285750">
+              <a:buFont typeface="Arial" panose="020B0604020202020204" pitchFamily="34" charset="0"/>
+              <a:buChar char="•"/>
+            </a:pPr>
+            <a:r>
+              <a:rPr lang="en-AU" sz="2400" dirty="0" err="1" smtClean="0"/>
+              <a:t>Dr.</a:t>
+            </a:r>
+            <a:r>
+              <a:rPr lang="en-AU" sz="2400" dirty="0" smtClean="0"/>
+              <a:t> Michael discovered the Leap Motion controller nearly a year ago</a:t>
+            </a:r>
+          </a:p>
+          <a:p>
+            <a:pPr marL="285750" indent="-285750">
+              <a:buFont typeface="Arial" panose="020B0604020202020204" pitchFamily="34" charset="0"/>
+              <a:buChar char="•"/>
+            </a:pPr>
+            <a:endParaRPr lang="en-AU" sz="2400" dirty="0" smtClean="0"/>
+          </a:p>
+          <a:p>
+            <a:pPr marL="285750" indent="-285750">
+              <a:buFont typeface="Arial" panose="020B0604020202020204" pitchFamily="34" charset="0"/>
+              <a:buChar char="•"/>
+            </a:pPr>
+            <a:r>
+              <a:rPr lang="en-AU" sz="2400" dirty="0" smtClean="0"/>
+              <a:t>Wants to be able to detect tremors in doctors and patients hands in a non invasive and costly manner</a:t>
+            </a:r>
+          </a:p>
+          <a:p>
+            <a:pPr marL="285750" indent="-285750">
+              <a:buFont typeface="Arial" panose="020B0604020202020204" pitchFamily="34" charset="0"/>
+              <a:buChar char="•"/>
+            </a:pPr>
+            <a:endParaRPr lang="en-AU" sz="2400" dirty="0" smtClean="0"/>
+          </a:p>
+          <a:p>
+            <a:pPr marL="285750" indent="-285750">
+              <a:buFont typeface="Arial" panose="020B0604020202020204" pitchFamily="34" charset="0"/>
+              <a:buChar char="•"/>
+            </a:pPr>
+            <a:r>
+              <a:rPr lang="en-AU" sz="2400" dirty="0" smtClean="0"/>
+              <a:t>Wants to utilize the Leap Motion controller to accomplish this</a:t>
+            </a:r>
+            <a:endParaRPr lang="en-AU" sz="2400" dirty="0"/>
+          </a:p>
+        </p:txBody>
+      </p:sp>
     </p:spTree>
     <p:extLst>
       <p:ext uri="{BB962C8B-B14F-4D97-AF65-F5344CB8AC3E}">
@@ -15173,6 +15278,330 @@
               <a:t>Proposed solution</a:t>
             </a:r>
             <a:endParaRPr lang="en-AU" dirty="0"/>
+          </a:p>
+        </p:txBody>
+      </p:sp>
+      <p:sp>
+        <p:nvSpPr>
+          <p:cNvPr id="4" name="Title 1"/>
+          <p:cNvSpPr txBox="1">
+            <a:spLocks/>
+          </p:cNvSpPr>
+          <p:nvPr/>
+        </p:nvSpPr>
+        <p:spPr>
+          <a:xfrm>
+            <a:off x="467544" y="1556792"/>
+            <a:ext cx="8229600" cy="4752528"/>
+          </a:xfrm>
+          <a:prstGeom prst="rect">
+            <a:avLst/>
+          </a:prstGeom>
+        </p:spPr>
+        <p:txBody>
+          <a:bodyPr vert="horz" lIns="91440" tIns="45720" rIns="91440" bIns="45720" rtlCol="0" anchor="ctr">
+            <a:noAutofit/>
+          </a:bodyPr>
+          <a:lstStyle/>
+          <a:p>
+            <a:pPr marR="0" lvl="0" defTabSz="914400" rtl="0" eaLnBrk="1" fontAlgn="auto" latinLnBrk="0" hangingPunct="1">
+              <a:lnSpc>
+                <a:spcPct val="100000"/>
+              </a:lnSpc>
+              <a:spcBef>
+                <a:spcPct val="0"/>
+              </a:spcBef>
+              <a:spcAft>
+                <a:spcPts val="0"/>
+              </a:spcAft>
+              <a:buClrTx/>
+              <a:buSzTx/>
+              <a:tabLst/>
+              <a:defRPr/>
+            </a:pPr>
+            <a:r>
+              <a:rPr lang="en-US" sz="2400" dirty="0" smtClean="0"/>
+              <a:t>Using </a:t>
+            </a:r>
+            <a:r>
+              <a:rPr lang="en-US" sz="2400" dirty="0"/>
+              <a:t>the </a:t>
+            </a:r>
+            <a:r>
+              <a:rPr lang="en-US" sz="2400" dirty="0"/>
+              <a:t>L</a:t>
+            </a:r>
+            <a:r>
+              <a:rPr lang="en-US" sz="2400" dirty="0"/>
+              <a:t>eap Motion controller we will</a:t>
+            </a:r>
+          </a:p>
+          <a:p>
+            <a:pPr marR="0" lvl="0" defTabSz="914400" rtl="0" eaLnBrk="1" fontAlgn="auto" latinLnBrk="0" hangingPunct="1">
+              <a:lnSpc>
+                <a:spcPct val="100000"/>
+              </a:lnSpc>
+              <a:spcBef>
+                <a:spcPct val="0"/>
+              </a:spcBef>
+              <a:spcAft>
+                <a:spcPts val="0"/>
+              </a:spcAft>
+              <a:buClrTx/>
+              <a:buSzTx/>
+              <a:tabLst/>
+              <a:defRPr/>
+            </a:pPr>
+            <a:endParaRPr lang="en-US" sz="2400" dirty="0"/>
+          </a:p>
+          <a:p>
+            <a:pPr marL="457200" marR="0" lvl="0" indent="-457200" defTabSz="914400" rtl="0" eaLnBrk="1" fontAlgn="auto" latinLnBrk="0" hangingPunct="1">
+              <a:lnSpc>
+                <a:spcPct val="100000"/>
+              </a:lnSpc>
+              <a:spcBef>
+                <a:spcPct val="0"/>
+              </a:spcBef>
+              <a:spcAft>
+                <a:spcPts val="0"/>
+              </a:spcAft>
+              <a:buClrTx/>
+              <a:buSzTx/>
+              <a:buFont typeface="Arial" pitchFamily="34" charset="0"/>
+              <a:buChar char="•"/>
+              <a:tabLst/>
+              <a:defRPr/>
+            </a:pPr>
+            <a:r>
+              <a:rPr lang="en-US" sz="2400" dirty="0"/>
+              <a:t>Display the </a:t>
+            </a:r>
+            <a:r>
+              <a:rPr lang="en-US" sz="2400" dirty="0" smtClean="0"/>
+              <a:t>frequency (</a:t>
+            </a:r>
+            <a:r>
+              <a:rPr lang="en-US" sz="2400" dirty="0"/>
+              <a:t>hertz) of tremor in the hand</a:t>
+            </a:r>
+          </a:p>
+          <a:p>
+            <a:pPr marL="457200" marR="0" lvl="0" indent="-457200" defTabSz="914400" rtl="0" eaLnBrk="1" fontAlgn="auto" latinLnBrk="0" hangingPunct="1">
+              <a:lnSpc>
+                <a:spcPct val="100000"/>
+              </a:lnSpc>
+              <a:spcBef>
+                <a:spcPct val="0"/>
+              </a:spcBef>
+              <a:spcAft>
+                <a:spcPts val="0"/>
+              </a:spcAft>
+              <a:buClrTx/>
+              <a:buSzTx/>
+              <a:buFont typeface="Arial" pitchFamily="34" charset="0"/>
+              <a:buChar char="•"/>
+              <a:tabLst/>
+              <a:defRPr/>
+            </a:pPr>
+            <a:endParaRPr lang="en-US" sz="2400" dirty="0"/>
+          </a:p>
+          <a:p>
+            <a:pPr marL="457200" marR="0" lvl="0" indent="-457200" defTabSz="914400" rtl="0" eaLnBrk="1" fontAlgn="auto" latinLnBrk="0" hangingPunct="1">
+              <a:lnSpc>
+                <a:spcPct val="100000"/>
+              </a:lnSpc>
+              <a:spcBef>
+                <a:spcPct val="0"/>
+              </a:spcBef>
+              <a:spcAft>
+                <a:spcPts val="0"/>
+              </a:spcAft>
+              <a:buClrTx/>
+              <a:buSzTx/>
+              <a:buFont typeface="Arial" pitchFamily="34" charset="0"/>
+              <a:buChar char="•"/>
+              <a:tabLst/>
+              <a:defRPr/>
+            </a:pPr>
+            <a:r>
+              <a:rPr lang="en-US" sz="2400" dirty="0"/>
+              <a:t>Include prompts build into the software to direct users</a:t>
+            </a:r>
+          </a:p>
+          <a:p>
+            <a:pPr marR="0" lvl="0" defTabSz="914400" rtl="0" eaLnBrk="1" fontAlgn="auto" latinLnBrk="0" hangingPunct="1">
+              <a:lnSpc>
+                <a:spcPct val="100000"/>
+              </a:lnSpc>
+              <a:spcBef>
+                <a:spcPct val="0"/>
+              </a:spcBef>
+              <a:spcAft>
+                <a:spcPts val="0"/>
+              </a:spcAft>
+              <a:buClrTx/>
+              <a:buSzTx/>
+              <a:tabLst/>
+              <a:defRPr/>
+            </a:pPr>
+            <a:endParaRPr lang="en-US" sz="2400" dirty="0"/>
+          </a:p>
+          <a:p>
+            <a:pPr marL="457200" marR="0" lvl="0" indent="-457200" defTabSz="914400" rtl="0" eaLnBrk="1" fontAlgn="auto" latinLnBrk="0" hangingPunct="1">
+              <a:lnSpc>
+                <a:spcPct val="100000"/>
+              </a:lnSpc>
+              <a:spcBef>
+                <a:spcPct val="0"/>
+              </a:spcBef>
+              <a:spcAft>
+                <a:spcPts val="0"/>
+              </a:spcAft>
+              <a:buClrTx/>
+              <a:buSzTx/>
+              <a:buFont typeface="Arial" pitchFamily="34" charset="0"/>
+              <a:buChar char="•"/>
+              <a:tabLst/>
+              <a:defRPr/>
+            </a:pPr>
+            <a:r>
+              <a:rPr lang="en-US" sz="2400" dirty="0"/>
+              <a:t>Save data recorded from the Leap Motion device to a file</a:t>
+            </a:r>
+          </a:p>
+          <a:p>
+            <a:pPr marL="457200" marR="0" lvl="0" indent="-457200" defTabSz="914400" rtl="0" eaLnBrk="1" fontAlgn="auto" latinLnBrk="0" hangingPunct="1">
+              <a:lnSpc>
+                <a:spcPct val="100000"/>
+              </a:lnSpc>
+              <a:spcBef>
+                <a:spcPct val="0"/>
+              </a:spcBef>
+              <a:spcAft>
+                <a:spcPts val="0"/>
+              </a:spcAft>
+              <a:buClrTx/>
+              <a:buSzTx/>
+              <a:buFont typeface="Arial" pitchFamily="34" charset="0"/>
+              <a:buChar char="•"/>
+              <a:tabLst/>
+              <a:defRPr/>
+            </a:pPr>
+            <a:endParaRPr lang="en-US" sz="2400" dirty="0"/>
+          </a:p>
+          <a:p>
+            <a:pPr marL="457200" marR="0" lvl="0" indent="-457200" defTabSz="914400" rtl="0" eaLnBrk="1" fontAlgn="auto" latinLnBrk="0" hangingPunct="1">
+              <a:lnSpc>
+                <a:spcPct val="100000"/>
+              </a:lnSpc>
+              <a:spcBef>
+                <a:spcPct val="0"/>
+              </a:spcBef>
+              <a:spcAft>
+                <a:spcPts val="0"/>
+              </a:spcAft>
+              <a:buClrTx/>
+              <a:buSzTx/>
+              <a:buFont typeface="Arial" pitchFamily="34" charset="0"/>
+              <a:buChar char="•"/>
+              <a:tabLst/>
+              <a:defRPr/>
+            </a:pPr>
+            <a:r>
+              <a:rPr lang="en-US" sz="2400" dirty="0"/>
+              <a:t>Load data from a file for analysis</a:t>
+            </a:r>
+          </a:p>
+          <a:p>
+            <a:pPr marL="457200" marR="0" lvl="0" indent="-457200" defTabSz="914400" rtl="0" eaLnBrk="1" fontAlgn="auto" latinLnBrk="0" hangingPunct="1">
+              <a:lnSpc>
+                <a:spcPct val="100000"/>
+              </a:lnSpc>
+              <a:spcBef>
+                <a:spcPct val="0"/>
+              </a:spcBef>
+              <a:spcAft>
+                <a:spcPts val="0"/>
+              </a:spcAft>
+              <a:buClrTx/>
+              <a:buSzTx/>
+              <a:buFont typeface="Arial" pitchFamily="34" charset="0"/>
+              <a:buChar char="•"/>
+              <a:tabLst/>
+              <a:defRPr/>
+            </a:pPr>
+            <a:endParaRPr lang="en-US" sz="2400" dirty="0"/>
+          </a:p>
+          <a:p>
+            <a:pPr marL="457200" marR="0" lvl="0" indent="-457200" defTabSz="914400" rtl="0" eaLnBrk="1" fontAlgn="auto" latinLnBrk="0" hangingPunct="1">
+              <a:lnSpc>
+                <a:spcPct val="100000"/>
+              </a:lnSpc>
+              <a:spcBef>
+                <a:spcPct val="0"/>
+              </a:spcBef>
+              <a:spcAft>
+                <a:spcPts val="0"/>
+              </a:spcAft>
+              <a:buClrTx/>
+              <a:buSzTx/>
+              <a:buFont typeface="Arial" pitchFamily="34" charset="0"/>
+              <a:buChar char="•"/>
+              <a:tabLst/>
+              <a:defRPr/>
+            </a:pPr>
+            <a:r>
+              <a:rPr lang="en-US" sz="2400" dirty="0"/>
+              <a:t>Replay multiple sets of data for real time </a:t>
+            </a:r>
+            <a:r>
+              <a:rPr lang="en-US" sz="2400" dirty="0" smtClean="0"/>
+              <a:t>comparison</a:t>
+            </a:r>
+          </a:p>
+          <a:p>
+            <a:pPr marL="457200" marR="0" lvl="0" indent="-457200" defTabSz="914400" rtl="0" eaLnBrk="1" fontAlgn="auto" latinLnBrk="0" hangingPunct="1">
+              <a:lnSpc>
+                <a:spcPct val="100000"/>
+              </a:lnSpc>
+              <a:spcBef>
+                <a:spcPct val="0"/>
+              </a:spcBef>
+              <a:spcAft>
+                <a:spcPts val="0"/>
+              </a:spcAft>
+              <a:buClrTx/>
+              <a:buSzTx/>
+              <a:buFont typeface="Arial" pitchFamily="34" charset="0"/>
+              <a:buChar char="•"/>
+              <a:tabLst/>
+              <a:defRPr/>
+            </a:pPr>
+            <a:endParaRPr lang="en-US" sz="2400" dirty="0"/>
+          </a:p>
+          <a:p>
+            <a:pPr marL="457200" marR="0" lvl="0" indent="-457200" defTabSz="914400" rtl="0" eaLnBrk="1" fontAlgn="auto" latinLnBrk="0" hangingPunct="1">
+              <a:lnSpc>
+                <a:spcPct val="100000"/>
+              </a:lnSpc>
+              <a:spcBef>
+                <a:spcPct val="0"/>
+              </a:spcBef>
+              <a:spcAft>
+                <a:spcPts val="0"/>
+              </a:spcAft>
+              <a:buClrTx/>
+              <a:buSzTx/>
+              <a:buFont typeface="Arial" pitchFamily="34" charset="0"/>
+              <a:buChar char="•"/>
+              <a:tabLst/>
+              <a:defRPr/>
+            </a:pPr>
+            <a:r>
+              <a:rPr lang="en-US" sz="2400" dirty="0" smtClean="0"/>
+              <a:t>Tracking the amplitude and frequency of hand</a:t>
+            </a:r>
+            <a:endParaRPr lang="en-US" sz="2400" dirty="0"/>
           </a:p>
         </p:txBody>
       </p:sp>

--- a/Presentaton slide/presentation week 7.pptx
+++ b/Presentaton slide/presentation week 7.pptx
@@ -1926,7 +1926,7 @@
           <a:p>
             <a:fld id="{9A5F94EA-2903-46AE-A832-FBC1B0A3423B}" type="datetimeFigureOut">
               <a:rPr lang="en-AU" smtClean="0"/>
-              <a:t>29/09/2013</a:t>
+              <a:t>29/09/13</a:t>
             </a:fld>
             <a:endParaRPr lang="en-AU"/>
           </a:p>
@@ -2107,7 +2107,7 @@
           <a:p>
             <a:fld id="{9A5F94EA-2903-46AE-A832-FBC1B0A3423B}" type="datetimeFigureOut">
               <a:rPr lang="en-AU" smtClean="0"/>
-              <a:t>29/09/2013</a:t>
+              <a:t>29/09/13</a:t>
             </a:fld>
             <a:endParaRPr lang="en-AU"/>
           </a:p>
@@ -2258,7 +2258,7 @@
           <a:p>
             <a:fld id="{9A5F94EA-2903-46AE-A832-FBC1B0A3423B}" type="datetimeFigureOut">
               <a:rPr lang="en-AU" smtClean="0"/>
-              <a:t>29/09/2013</a:t>
+              <a:t>29/09/13</a:t>
             </a:fld>
             <a:endParaRPr lang="en-AU"/>
           </a:p>
@@ -4084,7 +4084,7 @@
           <a:p>
             <a:fld id="{9A5F94EA-2903-46AE-A832-FBC1B0A3423B}" type="datetimeFigureOut">
               <a:rPr lang="en-AU" smtClean="0"/>
-              <a:t>29/09/2013</a:t>
+              <a:t>29/09/13</a:t>
             </a:fld>
             <a:endParaRPr lang="en-AU"/>
           </a:p>
@@ -5954,7 +5954,7 @@
           <a:p>
             <a:fld id="{9A5F94EA-2903-46AE-A832-FBC1B0A3423B}" type="datetimeFigureOut">
               <a:rPr lang="en-AU" smtClean="0"/>
-              <a:t>29/09/2013</a:t>
+              <a:t>29/09/13</a:t>
             </a:fld>
             <a:endParaRPr lang="en-AU"/>
           </a:p>
@@ -6067,7 +6067,7 @@
           <a:p>
             <a:fld id="{9A5F94EA-2903-46AE-A832-FBC1B0A3423B}" type="datetimeFigureOut">
               <a:rPr lang="en-AU" smtClean="0"/>
-              <a:t>29/09/2013</a:t>
+              <a:t>29/09/13</a:t>
             </a:fld>
             <a:endParaRPr lang="en-AU"/>
           </a:p>
@@ -6608,7 +6608,7 @@
           <a:p>
             <a:fld id="{9A5F94EA-2903-46AE-A832-FBC1B0A3423B}" type="datetimeFigureOut">
               <a:rPr lang="en-AU" smtClean="0"/>
-              <a:t>29/09/2013</a:t>
+              <a:t>29/09/13</a:t>
             </a:fld>
             <a:endParaRPr lang="en-AU"/>
           </a:p>
@@ -6721,7 +6721,7 @@
           <a:p>
             <a:fld id="{9A5F94EA-2903-46AE-A832-FBC1B0A3423B}" type="datetimeFigureOut">
               <a:rPr lang="en-AU" smtClean="0"/>
-              <a:t>29/09/2013</a:t>
+              <a:t>29/09/13</a:t>
             </a:fld>
             <a:endParaRPr lang="en-AU"/>
           </a:p>
@@ -8432,7 +8432,7 @@
           <a:p>
             <a:fld id="{9A5F94EA-2903-46AE-A832-FBC1B0A3423B}" type="datetimeFigureOut">
               <a:rPr lang="en-AU" smtClean="0"/>
-              <a:t>29/09/2013</a:t>
+              <a:t>29/09/13</a:t>
             </a:fld>
             <a:endParaRPr lang="en-AU"/>
           </a:p>
@@ -8583,7 +8583,7 @@
           <a:p>
             <a:fld id="{9A5F94EA-2903-46AE-A832-FBC1B0A3423B}" type="datetimeFigureOut">
               <a:rPr lang="en-AU" smtClean="0"/>
-              <a:t>29/09/2013</a:t>
+              <a:t>29/09/13</a:t>
             </a:fld>
             <a:endParaRPr lang="en-AU"/>
           </a:p>
@@ -12198,7 +12198,7 @@
           <a:p>
             <a:fld id="{9A5F94EA-2903-46AE-A832-FBC1B0A3423B}" type="datetimeFigureOut">
               <a:rPr lang="en-AU" smtClean="0"/>
-              <a:t>29/09/2013</a:t>
+              <a:t>29/09/13</a:t>
             </a:fld>
             <a:endParaRPr lang="en-AU"/>
           </a:p>
@@ -14057,7 +14057,7 @@
           <a:p>
             <a:fld id="{9A5F94EA-2903-46AE-A832-FBC1B0A3423B}" type="datetimeFigureOut">
               <a:rPr lang="en-AU" smtClean="0"/>
-              <a:t>29/09/2013</a:t>
+              <a:t>29/09/13</a:t>
             </a:fld>
             <a:endParaRPr lang="en-AU"/>
           </a:p>
@@ -15009,7 +15009,7 @@
   <p:timing>
     <p:tnLst>
       <p:par>
-        <p:cTn id="1" dur="indefinite" restart="never" nodeType="tmRoot"/>
+        <p:cTn xmlns:p14="http://schemas.microsoft.com/office/powerpoint/2010/main" id="1" dur="indefinite" restart="never" nodeType="tmRoot"/>
       </p:par>
     </p:tnLst>
   </p:timing>
@@ -15138,7 +15138,15 @@
             </a:pPr>
             <a:r>
               <a:rPr lang="en-AU" sz="2400" dirty="0" smtClean="0"/>
-              <a:t>Wants to be able to detect tremors in doctors and patients hands in a non invasive and costly manner</a:t>
+              <a:t>Wants to be able to detect tremors in doctors and patients hands in a non invasive </a:t>
+            </a:r>
+            <a:r>
+              <a:rPr lang="en-AU" sz="2400" dirty="0" smtClean="0"/>
+              <a:t>and non </a:t>
+            </a:r>
+            <a:r>
+              <a:rPr lang="en-AU" sz="2400" dirty="0" smtClean="0"/>
+              <a:t>costly manner</a:t>
             </a:r>
           </a:p>
           <a:p>
@@ -15174,7 +15182,7 @@
   <p:timing>
     <p:tnLst>
       <p:par>
-        <p:cTn id="1" dur="indefinite" restart="never" nodeType="tmRoot"/>
+        <p:cTn xmlns:p14="http://schemas.microsoft.com/office/powerpoint/2010/main" id="1" dur="indefinite" restart="never" nodeType="tmRoot"/>
       </p:par>
     </p:tnLst>
   </p:timing>
@@ -15234,7 +15242,7 @@
   <p:timing>
     <p:tnLst>
       <p:par>
-        <p:cTn id="1" dur="indefinite" restart="never" nodeType="tmRoot"/>
+        <p:cTn xmlns:p14="http://schemas.microsoft.com/office/powerpoint/2010/main" id="1" dur="indefinite" restart="never" nodeType="tmRoot"/>
       </p:par>
     </p:tnLst>
   </p:timing>
@@ -15325,15 +15333,7 @@
             </a:r>
             <a:r>
               <a:rPr lang="en-US" sz="2400" dirty="0"/>
-              <a:t>the </a:t>
-            </a:r>
-            <a:r>
-              <a:rPr lang="en-US" sz="2400" dirty="0"/>
-              <a:t>L</a:t>
-            </a:r>
-            <a:r>
-              <a:rPr lang="en-US" sz="2400" dirty="0"/>
-              <a:t>eap Motion controller we will</a:t>
+              <a:t>the Leap Motion controller we will</a:t>
             </a:r>
           </a:p>
           <a:p>
@@ -15618,7 +15618,7 @@
   <p:timing>
     <p:tnLst>
       <p:par>
-        <p:cTn id="1" dur="indefinite" restart="never" nodeType="tmRoot"/>
+        <p:cTn xmlns:p14="http://schemas.microsoft.com/office/powerpoint/2010/main" id="1" dur="indefinite" restart="never" nodeType="tmRoot"/>
       </p:par>
     </p:tnLst>
   </p:timing>
@@ -15678,7 +15678,7 @@
   <p:timing>
     <p:tnLst>
       <p:par>
-        <p:cTn id="1" dur="indefinite" restart="never" nodeType="tmRoot"/>
+        <p:cTn xmlns:p14="http://schemas.microsoft.com/office/powerpoint/2010/main" id="1" dur="indefinite" restart="never" nodeType="tmRoot"/>
       </p:par>
     </p:tnLst>
   </p:timing>
@@ -15738,7 +15738,7 @@
   <p:timing>
     <p:tnLst>
       <p:par>
-        <p:cTn id="1" dur="indefinite" restart="never" nodeType="tmRoot"/>
+        <p:cTn xmlns:p14="http://schemas.microsoft.com/office/powerpoint/2010/main" id="1" dur="indefinite" restart="never" nodeType="tmRoot"/>
       </p:par>
     </p:tnLst>
   </p:timing>
@@ -15798,7 +15798,7 @@
   <p:timing>
     <p:tnLst>
       <p:par>
-        <p:cTn id="1" dur="indefinite" restart="never" nodeType="tmRoot"/>
+        <p:cTn xmlns:p14="http://schemas.microsoft.com/office/powerpoint/2010/main" id="1" dur="indefinite" restart="never" nodeType="tmRoot"/>
       </p:par>
     </p:tnLst>
   </p:timing>
@@ -15858,7 +15858,7 @@
   <p:timing>
     <p:tnLst>
       <p:par>
-        <p:cTn id="1" dur="indefinite" restart="never" nodeType="tmRoot"/>
+        <p:cTn xmlns:p14="http://schemas.microsoft.com/office/powerpoint/2010/main" id="1" dur="indefinite" restart="never" nodeType="tmRoot"/>
       </p:par>
     </p:tnLst>
   </p:timing>

--- a/Presentaton slide/presentation week 7.pptx
+++ b/Presentaton slide/presentation week 7.pptx
@@ -1926,7 +1926,7 @@
           <a:p>
             <a:fld id="{9A5F94EA-2903-46AE-A832-FBC1B0A3423B}" type="datetimeFigureOut">
               <a:rPr lang="en-AU" smtClean="0"/>
-              <a:t>29/09/13</a:t>
+              <a:t>30/09/13</a:t>
             </a:fld>
             <a:endParaRPr lang="en-AU"/>
           </a:p>
@@ -2107,7 +2107,7 @@
           <a:p>
             <a:fld id="{9A5F94EA-2903-46AE-A832-FBC1B0A3423B}" type="datetimeFigureOut">
               <a:rPr lang="en-AU" smtClean="0"/>
-              <a:t>29/09/13</a:t>
+              <a:t>30/09/13</a:t>
             </a:fld>
             <a:endParaRPr lang="en-AU"/>
           </a:p>
@@ -2258,7 +2258,7 @@
           <a:p>
             <a:fld id="{9A5F94EA-2903-46AE-A832-FBC1B0A3423B}" type="datetimeFigureOut">
               <a:rPr lang="en-AU" smtClean="0"/>
-              <a:t>29/09/13</a:t>
+              <a:t>30/09/13</a:t>
             </a:fld>
             <a:endParaRPr lang="en-AU"/>
           </a:p>
@@ -4084,7 +4084,7 @@
           <a:p>
             <a:fld id="{9A5F94EA-2903-46AE-A832-FBC1B0A3423B}" type="datetimeFigureOut">
               <a:rPr lang="en-AU" smtClean="0"/>
-              <a:t>29/09/13</a:t>
+              <a:t>30/09/13</a:t>
             </a:fld>
             <a:endParaRPr lang="en-AU"/>
           </a:p>
@@ -5954,7 +5954,7 @@
           <a:p>
             <a:fld id="{9A5F94EA-2903-46AE-A832-FBC1B0A3423B}" type="datetimeFigureOut">
               <a:rPr lang="en-AU" smtClean="0"/>
-              <a:t>29/09/13</a:t>
+              <a:t>30/09/13</a:t>
             </a:fld>
             <a:endParaRPr lang="en-AU"/>
           </a:p>
@@ -6067,7 +6067,7 @@
           <a:p>
             <a:fld id="{9A5F94EA-2903-46AE-A832-FBC1B0A3423B}" type="datetimeFigureOut">
               <a:rPr lang="en-AU" smtClean="0"/>
-              <a:t>29/09/13</a:t>
+              <a:t>30/09/13</a:t>
             </a:fld>
             <a:endParaRPr lang="en-AU"/>
           </a:p>
@@ -6608,7 +6608,7 @@
           <a:p>
             <a:fld id="{9A5F94EA-2903-46AE-A832-FBC1B0A3423B}" type="datetimeFigureOut">
               <a:rPr lang="en-AU" smtClean="0"/>
-              <a:t>29/09/13</a:t>
+              <a:t>30/09/13</a:t>
             </a:fld>
             <a:endParaRPr lang="en-AU"/>
           </a:p>
@@ -6721,7 +6721,7 @@
           <a:p>
             <a:fld id="{9A5F94EA-2903-46AE-A832-FBC1B0A3423B}" type="datetimeFigureOut">
               <a:rPr lang="en-AU" smtClean="0"/>
-              <a:t>29/09/13</a:t>
+              <a:t>30/09/13</a:t>
             </a:fld>
             <a:endParaRPr lang="en-AU"/>
           </a:p>
@@ -8432,7 +8432,7 @@
           <a:p>
             <a:fld id="{9A5F94EA-2903-46AE-A832-FBC1B0A3423B}" type="datetimeFigureOut">
               <a:rPr lang="en-AU" smtClean="0"/>
-              <a:t>29/09/13</a:t>
+              <a:t>30/09/13</a:t>
             </a:fld>
             <a:endParaRPr lang="en-AU"/>
           </a:p>
@@ -8583,7 +8583,7 @@
           <a:p>
             <a:fld id="{9A5F94EA-2903-46AE-A832-FBC1B0A3423B}" type="datetimeFigureOut">
               <a:rPr lang="en-AU" smtClean="0"/>
-              <a:t>29/09/13</a:t>
+              <a:t>30/09/13</a:t>
             </a:fld>
             <a:endParaRPr lang="en-AU"/>
           </a:p>
@@ -12198,7 +12198,7 @@
           <a:p>
             <a:fld id="{9A5F94EA-2903-46AE-A832-FBC1B0A3423B}" type="datetimeFigureOut">
               <a:rPr lang="en-AU" smtClean="0"/>
-              <a:t>29/09/13</a:t>
+              <a:t>30/09/13</a:t>
             </a:fld>
             <a:endParaRPr lang="en-AU"/>
           </a:p>
@@ -14057,7 +14057,7 @@
           <a:p>
             <a:fld id="{9A5F94EA-2903-46AE-A832-FBC1B0A3423B}" type="datetimeFigureOut">
               <a:rPr lang="en-AU" smtClean="0"/>
-              <a:t>29/09/13</a:t>
+              <a:t>30/09/13</a:t>
             </a:fld>
             <a:endParaRPr lang="en-AU"/>
           </a:p>
@@ -15064,8 +15064,8 @@
         </p:nvSpPr>
         <p:spPr>
           <a:xfrm>
-            <a:off x="611560" y="1844824"/>
-            <a:ext cx="7848872" cy="4154984"/>
+            <a:off x="611560" y="2654910"/>
+            <a:ext cx="7848872" cy="2862322"/>
           </a:xfrm>
           <a:prstGeom prst="rect">
             <a:avLst/>
@@ -15083,23 +15083,23 @@
               <a:buChar char="•"/>
             </a:pPr>
             <a:r>
-              <a:rPr lang="en-AU" sz="2400" dirty="0" smtClean="0"/>
+              <a:rPr lang="en-AU" sz="2000" dirty="0" smtClean="0"/>
               <a:t>Our client, </a:t>
             </a:r>
             <a:r>
-              <a:rPr lang="en-AU" sz="2400" dirty="0" err="1" smtClean="0"/>
+              <a:rPr lang="en-AU" sz="2000" dirty="0" err="1" smtClean="0"/>
               <a:t>Dr.</a:t>
             </a:r>
             <a:r>
-              <a:rPr lang="en-AU" sz="2400" dirty="0" smtClean="0"/>
+              <a:rPr lang="en-AU" sz="2000" dirty="0" smtClean="0"/>
               <a:t> </a:t>
             </a:r>
             <a:r>
-              <a:rPr lang="en-AU" sz="2400" dirty="0"/>
+              <a:rPr lang="en-AU" sz="2000" dirty="0"/>
               <a:t>P</a:t>
             </a:r>
             <a:r>
-              <a:rPr lang="en-AU" sz="2400" dirty="0" smtClean="0"/>
+              <a:rPr lang="en-AU" sz="2000" dirty="0" smtClean="0"/>
               <a:t>hillip Michael, is a surgeon for the Royal Victorian Eye &amp; Ear Hospital</a:t>
             </a:r>
           </a:p>
@@ -15108,7 +15108,7 @@
               <a:buFont typeface="Arial" panose="020B0604020202020204" pitchFamily="34" charset="0"/>
               <a:buChar char="•"/>
             </a:pPr>
-            <a:endParaRPr lang="en-AU" sz="2400" dirty="0" smtClean="0"/>
+            <a:endParaRPr lang="en-AU" sz="2000" dirty="0" smtClean="0"/>
           </a:p>
           <a:p>
             <a:pPr marL="285750" indent="-285750">
@@ -15116,11 +15116,11 @@
               <a:buChar char="•"/>
             </a:pPr>
             <a:r>
-              <a:rPr lang="en-AU" sz="2400" dirty="0" err="1" smtClean="0"/>
+              <a:rPr lang="en-AU" sz="2000" dirty="0" err="1" smtClean="0"/>
               <a:t>Dr.</a:t>
             </a:r>
             <a:r>
-              <a:rPr lang="en-AU" sz="2400" dirty="0" smtClean="0"/>
+              <a:rPr lang="en-AU" sz="2000" dirty="0" smtClean="0"/>
               <a:t> Michael discovered the Leap Motion controller nearly a year ago</a:t>
             </a:r>
           </a:p>
@@ -15129,7 +15129,7 @@
               <a:buFont typeface="Arial" panose="020B0604020202020204" pitchFamily="34" charset="0"/>
               <a:buChar char="•"/>
             </a:pPr>
-            <a:endParaRPr lang="en-AU" sz="2400" dirty="0" smtClean="0"/>
+            <a:endParaRPr lang="en-AU" sz="2000" dirty="0" smtClean="0"/>
           </a:p>
           <a:p>
             <a:pPr marL="285750" indent="-285750">
@@ -15137,16 +15137,8 @@
               <a:buChar char="•"/>
             </a:pPr>
             <a:r>
-              <a:rPr lang="en-AU" sz="2400" dirty="0" smtClean="0"/>
-              <a:t>Wants to be able to detect tremors in doctors and patients hands in a non invasive </a:t>
-            </a:r>
-            <a:r>
-              <a:rPr lang="en-AU" sz="2400" dirty="0" smtClean="0"/>
-              <a:t>and non </a:t>
-            </a:r>
-            <a:r>
-              <a:rPr lang="en-AU" sz="2400" dirty="0" smtClean="0"/>
-              <a:t>costly manner</a:t>
+              <a:rPr lang="en-AU" sz="2000" dirty="0" smtClean="0"/>
+              <a:t>Wants to be able to detect tremors in doctors and patients hands in a non invasive and non costly manner</a:t>
             </a:r>
           </a:p>
           <a:p>
@@ -15154,7 +15146,7 @@
               <a:buFont typeface="Arial" panose="020B0604020202020204" pitchFamily="34" charset="0"/>
               <a:buChar char="•"/>
             </a:pPr>
-            <a:endParaRPr lang="en-AU" sz="2400" dirty="0" smtClean="0"/>
+            <a:endParaRPr lang="en-AU" sz="2000" dirty="0" smtClean="0"/>
           </a:p>
           <a:p>
             <a:pPr marL="285750" indent="-285750">
@@ -15162,10 +15154,10 @@
               <a:buChar char="•"/>
             </a:pPr>
             <a:r>
-              <a:rPr lang="en-AU" sz="2400" dirty="0" smtClean="0"/>
+              <a:rPr lang="en-AU" sz="2000" dirty="0" smtClean="0"/>
               <a:t>Wants to utilize the Leap Motion controller to accomplish this</a:t>
             </a:r>
-            <a:endParaRPr lang="en-AU" sz="2400" dirty="0"/>
+            <a:endParaRPr lang="en-AU" sz="2000" dirty="0"/>
           </a:p>
         </p:txBody>
       </p:sp>
@@ -15229,6 +15221,122 @@
           </a:p>
         </p:txBody>
       </p:sp>
+      <p:sp>
+        <p:nvSpPr>
+          <p:cNvPr id="4" name="TextBox 3"/>
+          <p:cNvSpPr txBox="1"/>
+          <p:nvPr/>
+        </p:nvSpPr>
+        <p:spPr>
+          <a:xfrm>
+            <a:off x="611560" y="2615421"/>
+            <a:ext cx="7848872" cy="3477875"/>
+          </a:xfrm>
+          <a:prstGeom prst="rect">
+            <a:avLst/>
+          </a:prstGeom>
+          <a:noFill/>
+        </p:spPr>
+        <p:txBody>
+          <a:bodyPr wrap="square" rtlCol="0">
+            <a:spAutoFit/>
+          </a:bodyPr>
+          <a:lstStyle/>
+          <a:p>
+            <a:pPr marL="285750" indent="-285750">
+              <a:buFont typeface="Arial" panose="020B0604020202020204" pitchFamily="34" charset="0"/>
+              <a:buChar char="•"/>
+            </a:pPr>
+            <a:r>
+              <a:rPr lang="en-AU" sz="2000" dirty="0" smtClean="0"/>
+              <a:t>Detect Tremor in the hand and fingers and output</a:t>
+            </a:r>
+          </a:p>
+          <a:p>
+            <a:pPr marL="742950" lvl="1" indent="-285750">
+              <a:buFont typeface="Arial" panose="020B0604020202020204" pitchFamily="34" charset="0"/>
+              <a:buChar char="•"/>
+            </a:pPr>
+            <a:endParaRPr lang="en-AU" sz="2000" dirty="0" smtClean="0"/>
+          </a:p>
+          <a:p>
+            <a:pPr marL="742950" lvl="1" indent="-285750">
+              <a:buFont typeface="Arial" panose="020B0604020202020204" pitchFamily="34" charset="0"/>
+              <a:buChar char="•"/>
+            </a:pPr>
+            <a:r>
+              <a:rPr lang="en-AU" sz="2000" dirty="0" smtClean="0"/>
+              <a:t>Hertz</a:t>
+            </a:r>
+          </a:p>
+          <a:p>
+            <a:pPr marL="742950" lvl="1" indent="-285750">
+              <a:buFont typeface="Arial" panose="020B0604020202020204" pitchFamily="34" charset="0"/>
+              <a:buChar char="•"/>
+            </a:pPr>
+            <a:endParaRPr lang="en-AU" sz="2000" dirty="0" smtClean="0"/>
+          </a:p>
+          <a:p>
+            <a:pPr marL="742950" lvl="1" indent="-285750">
+              <a:buFont typeface="Arial" panose="020B0604020202020204" pitchFamily="34" charset="0"/>
+              <a:buChar char="•"/>
+            </a:pPr>
+            <a:r>
+              <a:rPr lang="en-AU" sz="2000" dirty="0" smtClean="0"/>
+              <a:t>Amplitude</a:t>
+            </a:r>
+          </a:p>
+          <a:p>
+            <a:pPr marL="742950" lvl="1" indent="-285750">
+              <a:buFont typeface="Arial" panose="020B0604020202020204" pitchFamily="34" charset="0"/>
+              <a:buChar char="•"/>
+            </a:pPr>
+            <a:endParaRPr lang="en-AU" sz="2000" dirty="0" smtClean="0"/>
+          </a:p>
+          <a:p>
+            <a:pPr marL="742950" lvl="1" indent="-285750">
+              <a:buFont typeface="Arial" panose="020B0604020202020204" pitchFamily="34" charset="0"/>
+              <a:buChar char="•"/>
+            </a:pPr>
+            <a:r>
+              <a:rPr lang="en-AU" sz="2000" dirty="0" smtClean="0"/>
+              <a:t>Velocity</a:t>
+            </a:r>
+          </a:p>
+          <a:p>
+            <a:pPr lvl="1"/>
+            <a:endParaRPr lang="en-AU" sz="2000" dirty="0" smtClean="0"/>
+          </a:p>
+          <a:p>
+            <a:pPr marL="742950" lvl="1" indent="-285750">
+              <a:buFont typeface="Arial" panose="020B0604020202020204" pitchFamily="34" charset="0"/>
+              <a:buChar char="•"/>
+            </a:pPr>
+            <a:r>
+              <a:rPr lang="en-AU" sz="2000" dirty="0" smtClean="0"/>
+              <a:t>Acceleration</a:t>
+            </a:r>
+            <a:endParaRPr lang="en-AU" sz="2000" dirty="0"/>
+          </a:p>
+          <a:p>
+            <a:pPr marL="742950" lvl="1" indent="-285750">
+              <a:buFont typeface="Arial" panose="020B0604020202020204" pitchFamily="34" charset="0"/>
+              <a:buChar char="•"/>
+            </a:pPr>
+            <a:endParaRPr lang="en-AU" sz="2000" dirty="0" smtClean="0"/>
+          </a:p>
+          <a:p>
+            <a:pPr marL="342900" indent="-342900">
+              <a:buFont typeface="Arial"/>
+              <a:buChar char="•"/>
+            </a:pPr>
+            <a:r>
+              <a:rPr lang="en-AU" sz="2000" dirty="0" smtClean="0"/>
+              <a:t>Account for noise in terms of movement</a:t>
+            </a:r>
+          </a:p>
+        </p:txBody>
+      </p:sp>
     </p:spTree>
     <p:extLst>
       <p:ext uri="{BB962C8B-B14F-4D97-AF65-F5344CB8AC3E}">
@@ -15276,7 +15384,12 @@
             <p:ph type="title"/>
           </p:nvPr>
         </p:nvSpPr>
-        <p:spPr/>
+        <p:spPr>
+          <a:xfrm>
+            <a:off x="457200" y="332656"/>
+            <a:ext cx="8229600" cy="1252728"/>
+          </a:xfrm>
+        </p:spPr>
         <p:txBody>
           <a:bodyPr/>
           <a:lstStyle/>
@@ -15299,7 +15412,7 @@
         </p:nvSpPr>
         <p:spPr>
           <a:xfrm>
-            <a:off x="467544" y="1556792"/>
+            <a:off x="467544" y="1772816"/>
             <a:ext cx="8229600" cy="4752528"/>
           </a:xfrm>
           <a:prstGeom prst="rect">
@@ -15328,11 +15441,11 @@
               <a:defRPr/>
             </a:pPr>
             <a:r>
-              <a:rPr lang="en-US" sz="2400" dirty="0" smtClean="0"/>
+              <a:rPr lang="en-US" sz="2000" dirty="0" smtClean="0"/>
               <a:t>Using </a:t>
             </a:r>
             <a:r>
-              <a:rPr lang="en-US" sz="2400" dirty="0"/>
+              <a:rPr lang="en-US" sz="2000" dirty="0"/>
               <a:t>the Leap Motion controller we will</a:t>
             </a:r>
           </a:p>
@@ -15352,7 +15465,7 @@
               <a:tabLst/>
               <a:defRPr/>
             </a:pPr>
-            <a:endParaRPr lang="en-US" sz="2400" dirty="0"/>
+            <a:endParaRPr lang="en-US" sz="2000" dirty="0"/>
           </a:p>
           <a:p>
             <a:pPr marL="457200" marR="0" lvl="0" indent="-457200" defTabSz="914400" rtl="0" eaLnBrk="1" fontAlgn="auto" latinLnBrk="0" hangingPunct="1">
@@ -15373,16 +15486,8 @@
               <a:defRPr/>
             </a:pPr>
             <a:r>
-              <a:rPr lang="en-US" sz="2400" dirty="0"/>
-              <a:t>Display the </a:t>
-            </a:r>
-            <a:r>
-              <a:rPr lang="en-US" sz="2400" dirty="0" smtClean="0"/>
-              <a:t>frequency (</a:t>
-            </a:r>
-            <a:r>
-              <a:rPr lang="en-US" sz="2400" dirty="0"/>
-              <a:t>hertz) of tremor in the hand</a:t>
+              <a:rPr lang="en-US" sz="2000" dirty="0" smtClean="0"/>
+              <a:t>Record hand movements for a determined period of time</a:t>
             </a:r>
           </a:p>
           <a:p>
@@ -15403,7 +15508,7 @@
               <a:tabLst/>
               <a:defRPr/>
             </a:pPr>
-            <a:endParaRPr lang="en-US" sz="2400" dirty="0"/>
+            <a:endParaRPr lang="en-US" sz="2000" dirty="0"/>
           </a:p>
           <a:p>
             <a:pPr marL="457200" marR="0" lvl="0" indent="-457200" defTabSz="914400" rtl="0" eaLnBrk="1" fontAlgn="auto" latinLnBrk="0" hangingPunct="1">
@@ -15424,12 +15529,12 @@
               <a:defRPr/>
             </a:pPr>
             <a:r>
-              <a:rPr lang="en-US" sz="2400" dirty="0"/>
-              <a:t>Include prompts build into the software to direct users</a:t>
+              <a:rPr lang="en-US" sz="2000" dirty="0" smtClean="0"/>
+              <a:t>Output to the display</a:t>
             </a:r>
           </a:p>
           <a:p>
-            <a:pPr marR="0" lvl="0" defTabSz="914400" rtl="0" eaLnBrk="1" fontAlgn="auto" latinLnBrk="0" hangingPunct="1">
+            <a:pPr marL="457200" marR="0" lvl="0" indent="-457200" defTabSz="914400" rtl="0" eaLnBrk="1" fontAlgn="auto" latinLnBrk="0" hangingPunct="1">
               <a:lnSpc>
                 <a:spcPct val="100000"/>
               </a:lnSpc>
@@ -15441,10 +15546,37 @@
               </a:spcAft>
               <a:buClrTx/>
               <a:buSzTx/>
+              <a:buFont typeface="Arial" pitchFamily="34" charset="0"/>
+              <a:buChar char="•"/>
               <a:tabLst/>
               <a:defRPr/>
             </a:pPr>
-            <a:endParaRPr lang="en-US" sz="2400" dirty="0"/>
+            <a:endParaRPr lang="en-US" sz="2000" dirty="0" smtClean="0"/>
+          </a:p>
+          <a:p>
+            <a:pPr marL="914400" lvl="1" indent="-457200">
+              <a:spcBef>
+                <a:spcPct val="0"/>
+              </a:spcBef>
+              <a:buFont typeface="Arial" pitchFamily="34" charset="0"/>
+              <a:buChar char="•"/>
+              <a:defRPr/>
+            </a:pPr>
+            <a:r>
+              <a:rPr lang="en-US" sz="2000" dirty="0" smtClean="0"/>
+              <a:t>Hertz, Amplitude, Velocity and Acceleration</a:t>
+            </a:r>
+          </a:p>
+          <a:p>
+            <a:pPr marL="914400" lvl="1" indent="-457200">
+              <a:spcBef>
+                <a:spcPct val="0"/>
+              </a:spcBef>
+              <a:buFont typeface="Arial" pitchFamily="34" charset="0"/>
+              <a:buChar char="•"/>
+              <a:defRPr/>
+            </a:pPr>
+            <a:endParaRPr lang="en-US" sz="2000" dirty="0"/>
           </a:p>
           <a:p>
             <a:pPr marL="457200" marR="0" lvl="0" indent="-457200" defTabSz="914400" rtl="0" eaLnBrk="1" fontAlgn="auto" latinLnBrk="0" hangingPunct="1">
@@ -15465,8 +15597,8 @@
               <a:defRPr/>
             </a:pPr>
             <a:r>
-              <a:rPr lang="en-US" sz="2400" dirty="0"/>
-              <a:t>Save data recorded from the Leap Motion device to a file</a:t>
+              <a:rPr lang="en-US" sz="2000" dirty="0" smtClean="0"/>
+              <a:t>Use noise cancellation to exclude gross movement</a:t>
             </a:r>
           </a:p>
           <a:p>
@@ -15487,7 +15619,7 @@
               <a:tabLst/>
               <a:defRPr/>
             </a:pPr>
-            <a:endParaRPr lang="en-US" sz="2400" dirty="0"/>
+            <a:endParaRPr lang="en-US" sz="2000" dirty="0" smtClean="0"/>
           </a:p>
           <a:p>
             <a:pPr marL="457200" marR="0" lvl="0" indent="-457200" defTabSz="914400" rtl="0" eaLnBrk="1" fontAlgn="auto" latinLnBrk="0" hangingPunct="1">
@@ -15508,100 +15640,10 @@
               <a:defRPr/>
             </a:pPr>
             <a:r>
-              <a:rPr lang="en-US" sz="2400" dirty="0"/>
-              <a:t>Load data from a file for analysis</a:t>
+              <a:rPr lang="en-US" sz="2000" dirty="0" smtClean="0"/>
+              <a:t>Build prompts into the software to direct users</a:t>
             </a:r>
-          </a:p>
-          <a:p>
-            <a:pPr marL="457200" marR="0" lvl="0" indent="-457200" defTabSz="914400" rtl="0" eaLnBrk="1" fontAlgn="auto" latinLnBrk="0" hangingPunct="1">
-              <a:lnSpc>
-                <a:spcPct val="100000"/>
-              </a:lnSpc>
-              <a:spcBef>
-                <a:spcPct val="0"/>
-              </a:spcBef>
-              <a:spcAft>
-                <a:spcPts val="0"/>
-              </a:spcAft>
-              <a:buClrTx/>
-              <a:buSzTx/>
-              <a:buFont typeface="Arial" pitchFamily="34" charset="0"/>
-              <a:buChar char="•"/>
-              <a:tabLst/>
-              <a:defRPr/>
-            </a:pPr>
-            <a:endParaRPr lang="en-US" sz="2400" dirty="0"/>
-          </a:p>
-          <a:p>
-            <a:pPr marL="457200" marR="0" lvl="0" indent="-457200" defTabSz="914400" rtl="0" eaLnBrk="1" fontAlgn="auto" latinLnBrk="0" hangingPunct="1">
-              <a:lnSpc>
-                <a:spcPct val="100000"/>
-              </a:lnSpc>
-              <a:spcBef>
-                <a:spcPct val="0"/>
-              </a:spcBef>
-              <a:spcAft>
-                <a:spcPts val="0"/>
-              </a:spcAft>
-              <a:buClrTx/>
-              <a:buSzTx/>
-              <a:buFont typeface="Arial" pitchFamily="34" charset="0"/>
-              <a:buChar char="•"/>
-              <a:tabLst/>
-              <a:defRPr/>
-            </a:pPr>
-            <a:r>
-              <a:rPr lang="en-US" sz="2400" dirty="0"/>
-              <a:t>Replay multiple sets of data for real time </a:t>
-            </a:r>
-            <a:r>
-              <a:rPr lang="en-US" sz="2400" dirty="0" smtClean="0"/>
-              <a:t>comparison</a:t>
-            </a:r>
-          </a:p>
-          <a:p>
-            <a:pPr marL="457200" marR="0" lvl="0" indent="-457200" defTabSz="914400" rtl="0" eaLnBrk="1" fontAlgn="auto" latinLnBrk="0" hangingPunct="1">
-              <a:lnSpc>
-                <a:spcPct val="100000"/>
-              </a:lnSpc>
-              <a:spcBef>
-                <a:spcPct val="0"/>
-              </a:spcBef>
-              <a:spcAft>
-                <a:spcPts val="0"/>
-              </a:spcAft>
-              <a:buClrTx/>
-              <a:buSzTx/>
-              <a:buFont typeface="Arial" pitchFamily="34" charset="0"/>
-              <a:buChar char="•"/>
-              <a:tabLst/>
-              <a:defRPr/>
-            </a:pPr>
-            <a:endParaRPr lang="en-US" sz="2400" dirty="0"/>
-          </a:p>
-          <a:p>
-            <a:pPr marL="457200" marR="0" lvl="0" indent="-457200" defTabSz="914400" rtl="0" eaLnBrk="1" fontAlgn="auto" latinLnBrk="0" hangingPunct="1">
-              <a:lnSpc>
-                <a:spcPct val="100000"/>
-              </a:lnSpc>
-              <a:spcBef>
-                <a:spcPct val="0"/>
-              </a:spcBef>
-              <a:spcAft>
-                <a:spcPts val="0"/>
-              </a:spcAft>
-              <a:buClrTx/>
-              <a:buSzTx/>
-              <a:buFont typeface="Arial" pitchFamily="34" charset="0"/>
-              <a:buChar char="•"/>
-              <a:tabLst/>
-              <a:defRPr/>
-            </a:pPr>
-            <a:r>
-              <a:rPr lang="en-US" sz="2400" dirty="0" smtClean="0"/>
-              <a:t>Tracking the amplitude and frequency of hand</a:t>
-            </a:r>
-            <a:endParaRPr lang="en-US" sz="2400" dirty="0"/>
+            <a:endParaRPr lang="en-US" sz="2000" dirty="0"/>
           </a:p>
         </p:txBody>
       </p:sp>
@@ -15659,12 +15701,258 @@
           <a:p>
             <a:r>
               <a:rPr lang="en-AU" dirty="0" smtClean="0"/>
-              <a:t>Project plan</a:t>
+              <a:t>Development</a:t>
             </a:r>
             <a:endParaRPr lang="en-AU" dirty="0"/>
           </a:p>
         </p:txBody>
       </p:sp>
+      <p:sp>
+        <p:nvSpPr>
+          <p:cNvPr id="4" name="Title 1"/>
+          <p:cNvSpPr txBox="1">
+            <a:spLocks/>
+          </p:cNvSpPr>
+          <p:nvPr/>
+        </p:nvSpPr>
+        <p:spPr>
+          <a:xfrm>
+            <a:off x="467544" y="1556792"/>
+            <a:ext cx="8229600" cy="4752528"/>
+          </a:xfrm>
+          <a:prstGeom prst="rect">
+            <a:avLst/>
+          </a:prstGeom>
+        </p:spPr>
+        <p:txBody>
+          <a:bodyPr vert="horz" lIns="91440" tIns="45720" rIns="91440" bIns="45720" rtlCol="0" anchor="ctr">
+            <a:noAutofit/>
+          </a:bodyPr>
+          <a:lstStyle/>
+          <a:p>
+            <a:pPr marR="0" lvl="0" defTabSz="914400" rtl="0" eaLnBrk="1" fontAlgn="auto" latinLnBrk="0" hangingPunct="1">
+              <a:lnSpc>
+                <a:spcPct val="100000"/>
+              </a:lnSpc>
+              <a:spcBef>
+                <a:spcPct val="0"/>
+              </a:spcBef>
+              <a:spcAft>
+                <a:spcPts val="0"/>
+              </a:spcAft>
+              <a:buClrTx/>
+              <a:buSzTx/>
+              <a:tabLst/>
+              <a:defRPr/>
+            </a:pPr>
+            <a:endParaRPr lang="en-US" sz="2400" dirty="0"/>
+          </a:p>
+        </p:txBody>
+      </p:sp>
+      <p:graphicFrame>
+        <p:nvGraphicFramePr>
+          <p:cNvPr id="2" name="Table 1"/>
+          <p:cNvGraphicFramePr>
+            <a:graphicFrameLocks noGrp="1"/>
+          </p:cNvGraphicFramePr>
+          <p:nvPr>
+            <p:extLst>
+              <p:ext uri="{D42A27DB-BD31-4B8C-83A1-F6EECF244321}">
+                <p14:modId xmlns:p14="http://schemas.microsoft.com/office/powerpoint/2010/main" val="3034298384"/>
+              </p:ext>
+            </p:extLst>
+          </p:nvPr>
+        </p:nvGraphicFramePr>
+        <p:xfrm>
+          <a:off x="251520" y="2901528"/>
+          <a:ext cx="8688288" cy="2471688"/>
+        </p:xfrm>
+        <a:graphic>
+          <a:graphicData uri="http://schemas.openxmlformats.org/drawingml/2006/table">
+            <a:tbl>
+              <a:tblPr firstRow="1" bandRow="1">
+                <a:tableStyleId>{2D5ABB26-0587-4C30-8999-92F81FD0307C}</a:tableStyleId>
+              </a:tblPr>
+              <a:tblGrid>
+                <a:gridCol w="5184576"/>
+                <a:gridCol w="3503712"/>
+              </a:tblGrid>
+              <a:tr h="455464">
+                <a:tc>
+                  <a:txBody>
+                    <a:bodyPr/>
+                    <a:lstStyle/>
+                    <a:p>
+                      <a:pPr algn="ctr"/>
+                      <a:r>
+                        <a:rPr lang="en-US" dirty="0" smtClean="0"/>
+                        <a:t>Base interaction with Leap Motion Controller</a:t>
+                      </a:r>
+                      <a:endParaRPr lang="en-US" dirty="0"/>
+                    </a:p>
+                  </a:txBody>
+                  <a:tcPr/>
+                </a:tc>
+                <a:tc>
+                  <a:txBody>
+                    <a:bodyPr/>
+                    <a:lstStyle/>
+                    <a:p>
+                      <a:pPr algn="ctr"/>
+                      <a:r>
+                        <a:rPr lang="en-US" dirty="0" smtClean="0"/>
+                        <a:t>Done</a:t>
+                      </a:r>
+                      <a:endParaRPr lang="en-US" dirty="0"/>
+                    </a:p>
+                  </a:txBody>
+                  <a:tcPr/>
+                </a:tc>
+              </a:tr>
+              <a:tr h="463456">
+                <a:tc>
+                  <a:txBody>
+                    <a:bodyPr/>
+                    <a:lstStyle/>
+                    <a:p>
+                      <a:pPr algn="ctr"/>
+                      <a:r>
+                        <a:rPr lang="en-US" dirty="0" smtClean="0"/>
+                        <a:t>Record</a:t>
+                      </a:r>
+                      <a:r>
+                        <a:rPr lang="en-US" baseline="0" dirty="0" smtClean="0"/>
+                        <a:t> data for analysis</a:t>
+                      </a:r>
+                      <a:endParaRPr lang="en-US" dirty="0"/>
+                    </a:p>
+                  </a:txBody>
+                  <a:tcPr/>
+                </a:tc>
+                <a:tc>
+                  <a:txBody>
+                    <a:bodyPr/>
+                    <a:lstStyle/>
+                    <a:p>
+                      <a:pPr algn="ctr"/>
+                      <a:r>
+                        <a:rPr lang="en-US" dirty="0" smtClean="0"/>
+                        <a:t>Done</a:t>
+                      </a:r>
+                    </a:p>
+                  </a:txBody>
+                  <a:tcPr/>
+                </a:tc>
+              </a:tr>
+              <a:tr h="524664">
+                <a:tc>
+                  <a:txBody>
+                    <a:bodyPr/>
+                    <a:lstStyle/>
+                    <a:p>
+                      <a:pPr algn="ctr"/>
+                      <a:r>
+                        <a:rPr lang="en-US" dirty="0" smtClean="0"/>
+                        <a:t>Data analysis</a:t>
+                      </a:r>
+                      <a:r>
+                        <a:rPr lang="en-US" baseline="0" dirty="0" smtClean="0"/>
+                        <a:t>: Hertz and Amplitude</a:t>
+                      </a:r>
+                    </a:p>
+                  </a:txBody>
+                  <a:tcPr/>
+                </a:tc>
+                <a:tc>
+                  <a:txBody>
+                    <a:bodyPr/>
+                    <a:lstStyle/>
+                    <a:p>
+                      <a:pPr algn="ctr"/>
+                      <a:r>
+                        <a:rPr lang="en-US" dirty="0" smtClean="0"/>
+                        <a:t>Done</a:t>
+                      </a:r>
+                    </a:p>
+                  </a:txBody>
+                  <a:tcPr/>
+                </a:tc>
+              </a:tr>
+              <a:tr h="546368">
+                <a:tc>
+                  <a:txBody>
+                    <a:bodyPr/>
+                    <a:lstStyle/>
+                    <a:p>
+                      <a:pPr marL="0" indent="0" algn="ctr">
+                        <a:buFont typeface="Arial"/>
+                        <a:buNone/>
+                      </a:pPr>
+                      <a:r>
+                        <a:rPr lang="en-US" baseline="0" dirty="0" smtClean="0"/>
+                        <a:t>Data analysis: Velocity and Acceleration</a:t>
+                      </a:r>
+                    </a:p>
+                  </a:txBody>
+                  <a:tcPr/>
+                </a:tc>
+                <a:tc>
+                  <a:txBody>
+                    <a:bodyPr/>
+                    <a:lstStyle/>
+                    <a:p>
+                      <a:pPr algn="ctr"/>
+                      <a:r>
+                        <a:rPr lang="en-US" dirty="0" smtClean="0"/>
+                        <a:t>Work</a:t>
+                      </a:r>
+                      <a:r>
+                        <a:rPr lang="en-US" baseline="0" dirty="0" smtClean="0"/>
+                        <a:t> In Progress</a:t>
+                      </a:r>
+                      <a:endParaRPr lang="en-US" dirty="0" smtClean="0"/>
+                    </a:p>
+                  </a:txBody>
+                  <a:tcPr/>
+                </a:tc>
+              </a:tr>
+              <a:tr h="481736">
+                <a:tc>
+                  <a:txBody>
+                    <a:bodyPr/>
+                    <a:lstStyle/>
+                    <a:p>
+                      <a:pPr marL="0" indent="0" algn="ctr">
+                        <a:buFont typeface="Arial"/>
+                        <a:buNone/>
+                      </a:pPr>
+                      <a:r>
+                        <a:rPr lang="en-US" baseline="0" dirty="0" smtClean="0"/>
+                        <a:t>Noise cancelation of gross movements</a:t>
+                      </a:r>
+                    </a:p>
+                  </a:txBody>
+                  <a:tcPr/>
+                </a:tc>
+                <a:tc>
+                  <a:txBody>
+                    <a:bodyPr/>
+                    <a:lstStyle/>
+                    <a:p>
+                      <a:pPr algn="ctr"/>
+                      <a:r>
+                        <a:rPr lang="en-US" dirty="0" smtClean="0"/>
+                        <a:t>Beginning Research</a:t>
+                      </a:r>
+                    </a:p>
+                  </a:txBody>
+                  <a:tcPr/>
+                </a:tc>
+              </a:tr>
+            </a:tbl>
+          </a:graphicData>
+        </a:graphic>
+      </p:graphicFrame>
     </p:spTree>
     <p:extLst>
       <p:ext uri="{BB962C8B-B14F-4D97-AF65-F5344CB8AC3E}">
@@ -15714,14 +16002,212 @@
         </p:nvSpPr>
         <p:spPr/>
         <p:txBody>
-          <a:bodyPr/>
+          <a:bodyPr>
+            <a:normAutofit/>
+          </a:bodyPr>
           <a:lstStyle/>
           <a:p>
             <a:r>
               <a:rPr lang="en-AU" dirty="0" smtClean="0"/>
-              <a:t>Progress and compare plan</a:t>
+              <a:t>Testing</a:t>
             </a:r>
             <a:endParaRPr lang="en-AU" dirty="0"/>
+          </a:p>
+        </p:txBody>
+      </p:sp>
+      <p:sp>
+        <p:nvSpPr>
+          <p:cNvPr id="4" name="Title 1"/>
+          <p:cNvSpPr txBox="1">
+            <a:spLocks/>
+          </p:cNvSpPr>
+          <p:nvPr/>
+        </p:nvSpPr>
+        <p:spPr>
+          <a:xfrm>
+            <a:off x="467544" y="1988840"/>
+            <a:ext cx="8229600" cy="4752528"/>
+          </a:xfrm>
+          <a:prstGeom prst="rect">
+            <a:avLst/>
+          </a:prstGeom>
+        </p:spPr>
+        <p:txBody>
+          <a:bodyPr vert="horz" lIns="91440" tIns="45720" rIns="91440" bIns="45720" rtlCol="0" anchor="ctr">
+            <a:noAutofit/>
+          </a:bodyPr>
+          <a:lstStyle/>
+          <a:p>
+            <a:pPr marR="0" lvl="0" defTabSz="914400" rtl="0" eaLnBrk="1" fontAlgn="auto" latinLnBrk="0" hangingPunct="1">
+              <a:lnSpc>
+                <a:spcPct val="100000"/>
+              </a:lnSpc>
+              <a:spcBef>
+                <a:spcPct val="0"/>
+              </a:spcBef>
+              <a:spcAft>
+                <a:spcPts val="0"/>
+              </a:spcAft>
+              <a:buClrTx/>
+              <a:buSzTx/>
+              <a:tabLst/>
+              <a:defRPr/>
+            </a:pPr>
+            <a:r>
+              <a:rPr lang="en-US" sz="2000" dirty="0" smtClean="0"/>
+              <a:t>The leap motion controller is proven to be accurate with repeatable results</a:t>
+            </a:r>
+          </a:p>
+          <a:p>
+            <a:pPr marL="342900" marR="0" lvl="0" indent="-342900" defTabSz="914400" rtl="0" eaLnBrk="1" fontAlgn="auto" latinLnBrk="0" hangingPunct="1">
+              <a:lnSpc>
+                <a:spcPct val="100000"/>
+              </a:lnSpc>
+              <a:spcBef>
+                <a:spcPct val="0"/>
+              </a:spcBef>
+              <a:spcAft>
+                <a:spcPts val="0"/>
+              </a:spcAft>
+              <a:buClrTx/>
+              <a:buSzTx/>
+              <a:buFont typeface="Arial"/>
+              <a:buChar char="•"/>
+              <a:tabLst/>
+              <a:defRPr/>
+            </a:pPr>
+            <a:endParaRPr lang="en-US" sz="2000" dirty="0"/>
+          </a:p>
+          <a:p>
+            <a:pPr marR="0" lvl="0" defTabSz="914400" rtl="0" eaLnBrk="1" fontAlgn="auto" latinLnBrk="0" hangingPunct="1">
+              <a:lnSpc>
+                <a:spcPct val="100000"/>
+              </a:lnSpc>
+              <a:spcBef>
+                <a:spcPct val="0"/>
+              </a:spcBef>
+              <a:spcAft>
+                <a:spcPts val="0"/>
+              </a:spcAft>
+              <a:buClrTx/>
+              <a:buSzTx/>
+              <a:tabLst/>
+              <a:defRPr/>
+            </a:pPr>
+            <a:r>
+              <a:rPr lang="en-US" sz="2000" dirty="0" smtClean="0"/>
+              <a:t>To test our software</a:t>
+            </a:r>
+          </a:p>
+          <a:p>
+            <a:pPr marL="342900" marR="0" lvl="0" indent="-342900" defTabSz="914400" rtl="0" eaLnBrk="1" fontAlgn="auto" latinLnBrk="0" hangingPunct="1">
+              <a:lnSpc>
+                <a:spcPct val="100000"/>
+              </a:lnSpc>
+              <a:spcBef>
+                <a:spcPct val="0"/>
+              </a:spcBef>
+              <a:spcAft>
+                <a:spcPts val="0"/>
+              </a:spcAft>
+              <a:buClrTx/>
+              <a:buSzTx/>
+              <a:buFont typeface="Arial"/>
+              <a:buChar char="•"/>
+              <a:tabLst/>
+              <a:defRPr/>
+            </a:pPr>
+            <a:endParaRPr lang="en-US" sz="2000" dirty="0" smtClean="0"/>
+          </a:p>
+          <a:p>
+            <a:pPr marL="800100" lvl="1" indent="-342900">
+              <a:spcBef>
+                <a:spcPct val="0"/>
+              </a:spcBef>
+              <a:buFont typeface="Arial"/>
+              <a:buChar char="•"/>
+              <a:defRPr/>
+            </a:pPr>
+            <a:r>
+              <a:rPr lang="en-US" sz="2000" dirty="0" smtClean="0"/>
+              <a:t>Formulas will be converted into flow charts</a:t>
+            </a:r>
+          </a:p>
+          <a:p>
+            <a:pPr marL="800100" lvl="1" indent="-342900">
+              <a:spcBef>
+                <a:spcPct val="0"/>
+              </a:spcBef>
+              <a:buFont typeface="Arial"/>
+              <a:buChar char="•"/>
+              <a:defRPr/>
+            </a:pPr>
+            <a:endParaRPr lang="en-US" sz="2000" dirty="0" smtClean="0"/>
+          </a:p>
+          <a:p>
+            <a:pPr marL="800100" lvl="1" indent="-342900">
+              <a:spcBef>
+                <a:spcPct val="0"/>
+              </a:spcBef>
+              <a:buFont typeface="Arial"/>
+              <a:buChar char="•"/>
+              <a:defRPr/>
+            </a:pPr>
+            <a:r>
+              <a:rPr lang="en-US" sz="2000" dirty="0" smtClean="0"/>
+              <a:t>Flow charts will be assessed for correctness</a:t>
+            </a:r>
+          </a:p>
+          <a:p>
+            <a:pPr marL="800100" lvl="1" indent="-342900">
+              <a:spcBef>
+                <a:spcPct val="0"/>
+              </a:spcBef>
+              <a:buFont typeface="Arial"/>
+              <a:buChar char="•"/>
+              <a:defRPr/>
+            </a:pPr>
+            <a:endParaRPr lang="en-US" sz="2000" dirty="0" smtClean="0"/>
+          </a:p>
+          <a:p>
+            <a:pPr marL="800100" lvl="1" indent="-342900">
+              <a:spcBef>
+                <a:spcPct val="0"/>
+              </a:spcBef>
+              <a:buFont typeface="Arial"/>
+              <a:buChar char="•"/>
+              <a:defRPr/>
+            </a:pPr>
+            <a:r>
+              <a:rPr lang="en-US" sz="2000" dirty="0" smtClean="0"/>
+              <a:t>Code will be desk checked to match flow charts</a:t>
+            </a:r>
+          </a:p>
+          <a:p>
+            <a:pPr marL="800100" lvl="1" indent="-342900">
+              <a:spcBef>
+                <a:spcPct val="0"/>
+              </a:spcBef>
+              <a:buFont typeface="Arial"/>
+              <a:buChar char="•"/>
+              <a:defRPr/>
+            </a:pPr>
+            <a:endParaRPr lang="en-US" sz="2000" dirty="0" smtClean="0"/>
+          </a:p>
+          <a:p>
+            <a:pPr marL="800100" lvl="1" indent="-342900">
+              <a:spcBef>
+                <a:spcPct val="0"/>
+              </a:spcBef>
+              <a:buFont typeface="Arial"/>
+              <a:buChar char="•"/>
+              <a:defRPr/>
+            </a:pPr>
+            <a:r>
+              <a:rPr lang="en-US" sz="2000" dirty="0" smtClean="0"/>
+              <a:t>A visual and leap motion controller analysis will be conducted</a:t>
+            </a:r>
+            <a:endParaRPr lang="en-US" sz="2000" dirty="0" smtClean="0"/>
           </a:p>
         </p:txBody>
       </p:sp>
@@ -15782,6 +16268,225 @@
               <a:t>Future plans </a:t>
             </a:r>
             <a:endParaRPr lang="en-AU" dirty="0"/>
+          </a:p>
+        </p:txBody>
+      </p:sp>
+      <p:sp>
+        <p:nvSpPr>
+          <p:cNvPr id="4" name="Title 1"/>
+          <p:cNvSpPr txBox="1">
+            <a:spLocks/>
+          </p:cNvSpPr>
+          <p:nvPr/>
+        </p:nvSpPr>
+        <p:spPr>
+          <a:xfrm>
+            <a:off x="467544" y="2204864"/>
+            <a:ext cx="8229600" cy="4752528"/>
+          </a:xfrm>
+          <a:prstGeom prst="rect">
+            <a:avLst/>
+          </a:prstGeom>
+        </p:spPr>
+        <p:txBody>
+          <a:bodyPr vert="horz" lIns="91440" tIns="45720" rIns="91440" bIns="45720" rtlCol="0" anchor="ctr">
+            <a:noAutofit/>
+          </a:bodyPr>
+          <a:lstStyle/>
+          <a:p>
+            <a:pPr marL="342900" marR="0" lvl="0" indent="-342900" defTabSz="914400" rtl="0" eaLnBrk="1" fontAlgn="auto" latinLnBrk="0" hangingPunct="1">
+              <a:lnSpc>
+                <a:spcPct val="100000"/>
+              </a:lnSpc>
+              <a:spcBef>
+                <a:spcPct val="0"/>
+              </a:spcBef>
+              <a:spcAft>
+                <a:spcPts val="0"/>
+              </a:spcAft>
+              <a:buClrTx/>
+              <a:buSzTx/>
+              <a:buFont typeface="Arial"/>
+              <a:buChar char="•"/>
+              <a:tabLst/>
+              <a:defRPr/>
+            </a:pPr>
+            <a:r>
+              <a:rPr lang="en-US" sz="2000" dirty="0" smtClean="0"/>
+              <a:t>Finish velocity and acceleration analysis</a:t>
+            </a:r>
+          </a:p>
+          <a:p>
+            <a:pPr marL="342900" marR="0" lvl="0" indent="-342900" defTabSz="914400" rtl="0" eaLnBrk="1" fontAlgn="auto" latinLnBrk="0" hangingPunct="1">
+              <a:lnSpc>
+                <a:spcPct val="100000"/>
+              </a:lnSpc>
+              <a:spcBef>
+                <a:spcPct val="0"/>
+              </a:spcBef>
+              <a:spcAft>
+                <a:spcPts val="0"/>
+              </a:spcAft>
+              <a:buClrTx/>
+              <a:buSzTx/>
+              <a:buFont typeface="Arial"/>
+              <a:buChar char="•"/>
+              <a:tabLst/>
+              <a:defRPr/>
+            </a:pPr>
+            <a:endParaRPr lang="en-US" sz="2000" dirty="0"/>
+          </a:p>
+          <a:p>
+            <a:pPr marL="342900" marR="0" lvl="0" indent="-342900" defTabSz="914400" rtl="0" eaLnBrk="1" fontAlgn="auto" latinLnBrk="0" hangingPunct="1">
+              <a:lnSpc>
+                <a:spcPct val="100000"/>
+              </a:lnSpc>
+              <a:spcBef>
+                <a:spcPct val="0"/>
+              </a:spcBef>
+              <a:spcAft>
+                <a:spcPts val="0"/>
+              </a:spcAft>
+              <a:buClrTx/>
+              <a:buSzTx/>
+              <a:buFont typeface="Arial"/>
+              <a:buChar char="•"/>
+              <a:tabLst/>
+              <a:defRPr/>
+            </a:pPr>
+            <a:r>
+              <a:rPr lang="en-US" sz="2000" dirty="0" smtClean="0"/>
+              <a:t>Incorporate noise cancelation before analysis of data</a:t>
+            </a:r>
+          </a:p>
+          <a:p>
+            <a:pPr marL="342900" marR="0" lvl="0" indent="-342900" defTabSz="914400" rtl="0" eaLnBrk="1" fontAlgn="auto" latinLnBrk="0" hangingPunct="1">
+              <a:lnSpc>
+                <a:spcPct val="100000"/>
+              </a:lnSpc>
+              <a:spcBef>
+                <a:spcPct val="0"/>
+              </a:spcBef>
+              <a:spcAft>
+                <a:spcPts val="0"/>
+              </a:spcAft>
+              <a:buClrTx/>
+              <a:buSzTx/>
+              <a:buFont typeface="Arial"/>
+              <a:buChar char="•"/>
+              <a:tabLst/>
+              <a:defRPr/>
+            </a:pPr>
+            <a:endParaRPr lang="en-US" sz="2000" dirty="0" smtClean="0"/>
+          </a:p>
+          <a:p>
+            <a:pPr marL="342900" marR="0" lvl="0" indent="-342900" defTabSz="914400" rtl="0" eaLnBrk="1" fontAlgn="auto" latinLnBrk="0" hangingPunct="1">
+              <a:lnSpc>
+                <a:spcPct val="100000"/>
+              </a:lnSpc>
+              <a:spcBef>
+                <a:spcPct val="0"/>
+              </a:spcBef>
+              <a:spcAft>
+                <a:spcPts val="0"/>
+              </a:spcAft>
+              <a:buClrTx/>
+              <a:buSzTx/>
+              <a:buFont typeface="Arial"/>
+              <a:buChar char="•"/>
+              <a:tabLst/>
+              <a:defRPr/>
+            </a:pPr>
+            <a:r>
+              <a:rPr lang="en-US" sz="2000" dirty="0" smtClean="0"/>
+              <a:t>Develop an interface which does not require interaction to begin recording</a:t>
+            </a:r>
+          </a:p>
+          <a:p>
+            <a:pPr marL="342900" marR="0" lvl="0" indent="-342900" defTabSz="914400" rtl="0" eaLnBrk="1" fontAlgn="auto" latinLnBrk="0" hangingPunct="1">
+              <a:lnSpc>
+                <a:spcPct val="100000"/>
+              </a:lnSpc>
+              <a:spcBef>
+                <a:spcPct val="0"/>
+              </a:spcBef>
+              <a:spcAft>
+                <a:spcPts val="0"/>
+              </a:spcAft>
+              <a:buClrTx/>
+              <a:buSzTx/>
+              <a:buFont typeface="Arial"/>
+              <a:buChar char="•"/>
+              <a:tabLst/>
+              <a:defRPr/>
+            </a:pPr>
+            <a:endParaRPr lang="en-US" sz="2000" dirty="0" smtClean="0"/>
+          </a:p>
+          <a:p>
+            <a:pPr marL="342900" marR="0" lvl="0" indent="-342900" defTabSz="914400" rtl="0" eaLnBrk="1" fontAlgn="auto" latinLnBrk="0" hangingPunct="1">
+              <a:lnSpc>
+                <a:spcPct val="100000"/>
+              </a:lnSpc>
+              <a:spcBef>
+                <a:spcPct val="0"/>
+              </a:spcBef>
+              <a:spcAft>
+                <a:spcPts val="0"/>
+              </a:spcAft>
+              <a:buClrTx/>
+              <a:buSzTx/>
+              <a:buFont typeface="Arial"/>
+              <a:buChar char="•"/>
+              <a:tabLst/>
+              <a:defRPr/>
+            </a:pPr>
+            <a:r>
+              <a:rPr lang="en-US" sz="2000" dirty="0" smtClean="0"/>
+              <a:t>Conduct testing of the developed software and formulas</a:t>
+            </a:r>
+          </a:p>
+          <a:p>
+            <a:pPr marL="342900" marR="0" lvl="0" indent="-342900" defTabSz="914400" rtl="0" eaLnBrk="1" fontAlgn="auto" latinLnBrk="0" hangingPunct="1">
+              <a:lnSpc>
+                <a:spcPct val="100000"/>
+              </a:lnSpc>
+              <a:spcBef>
+                <a:spcPct val="0"/>
+              </a:spcBef>
+              <a:spcAft>
+                <a:spcPts val="0"/>
+              </a:spcAft>
+              <a:buClrTx/>
+              <a:buSzTx/>
+              <a:buFont typeface="Arial"/>
+              <a:buChar char="•"/>
+              <a:tabLst/>
+              <a:defRPr/>
+            </a:pPr>
+            <a:endParaRPr lang="en-US" sz="2000" dirty="0"/>
+          </a:p>
+          <a:p>
+            <a:pPr marL="342900" marR="0" lvl="0" indent="-342900" defTabSz="914400" rtl="0" eaLnBrk="1" fontAlgn="auto" latinLnBrk="0" hangingPunct="1">
+              <a:lnSpc>
+                <a:spcPct val="100000"/>
+              </a:lnSpc>
+              <a:spcBef>
+                <a:spcPct val="0"/>
+              </a:spcBef>
+              <a:spcAft>
+                <a:spcPts val="0"/>
+              </a:spcAft>
+              <a:buClrTx/>
+              <a:buSzTx/>
+              <a:buFont typeface="Arial"/>
+              <a:buChar char="•"/>
+              <a:tabLst/>
+              <a:defRPr/>
+            </a:pPr>
+            <a:r>
+              <a:rPr lang="en-US" sz="2000" dirty="0" smtClean="0"/>
+              <a:t>Develop user and installation manuals</a:t>
+            </a:r>
           </a:p>
         </p:txBody>
       </p:sp>
